--- a/Diagramme de séquence/L1- Concepts de base/L1 - Concepts de base.pptx
+++ b/Diagramme de séquence/L1- Concepts de base/L1 - Concepts de base.pptx
@@ -10,8 +10,8 @@
   <p:sldIdLst>
     <p:sldId id="256" r:id="rId2"/>
     <p:sldId id="257" r:id="rId3"/>
-    <p:sldId id="261" r:id="rId4"/>
-    <p:sldId id="268" r:id="rId5"/>
+    <p:sldId id="268" r:id="rId4"/>
+    <p:sldId id="261" r:id="rId5"/>
     <p:sldId id="267" r:id="rId6"/>
     <p:sldId id="271" r:id="rId7"/>
     <p:sldId id="272" r:id="rId8"/>
@@ -200,7 +200,8 @@
           <a:p>
             <a:fld id="{A25623AB-641E-4BE5-8BB8-E9ECD9F62C0A}" type="datetimeFigureOut">
               <a:rPr lang="fr-FR" smtClean="0"/>
-              <a:t>23.02.14</a:t>
+              <a:pPr/>
+              <a:t>24/02/2014</a:t>
             </a:fld>
             <a:endParaRPr lang="fr-CH"/>
           </a:p>
@@ -361,7 +362,8 @@
           <a:p>
             <a:fld id="{1DCE5F11-534C-45A7-8A38-E52E47A254FF}" type="slidenum">
               <a:rPr lang="fr-CH" smtClean="0"/>
-              <a:t>‹#›</a:t>
+              <a:pPr/>
+              <a:t>‹N°›</a:t>
             </a:fld>
             <a:endParaRPr lang="fr-CH"/>
           </a:p>
@@ -370,7 +372,7 @@
     </p:spTree>
     <p:extLst>
       <p:ext uri="{BB962C8B-B14F-4D97-AF65-F5344CB8AC3E}">
-        <p14:creationId xmlns:p14="http://schemas.microsoft.com/office/powerpoint/2010/main" val="291982883"/>
+        <p14:creationId xmlns:p14="http://schemas.microsoft.com/office/powerpoint/2010/main" xmlns="" val="291982883"/>
       </p:ext>
     </p:extLst>
   </p:cSld>
@@ -537,6 +539,7 @@
           <a:p>
             <a:fld id="{1DCE5F11-534C-45A7-8A38-E52E47A254FF}" type="slidenum">
               <a:rPr lang="fr-CH" smtClean="0"/>
+              <a:pPr/>
               <a:t>3</a:t>
             </a:fld>
             <a:endParaRPr lang="fr-CH"/>
@@ -618,6 +621,7 @@
           <a:p>
             <a:fld id="{1DCE5F11-534C-45A7-8A38-E52E47A254FF}" type="slidenum">
               <a:rPr lang="fr-CH" smtClean="0"/>
+              <a:pPr/>
               <a:t>4</a:t>
             </a:fld>
             <a:endParaRPr lang="fr-CH"/>
@@ -814,7 +818,7 @@
             <a:fld id="{AA309A6D-C09C-4548-B29A-6CF363A7E532}" type="datetimeFigureOut">
               <a:rPr lang="fr-FR" smtClean="0"/>
               <a:pPr/>
-              <a:t>23.02.14</a:t>
+              <a:t>24/02/2014</a:t>
             </a:fld>
             <a:endParaRPr lang="fr-BE"/>
           </a:p>
@@ -857,7 +861,7 @@
             <a:fld id="{CF4668DC-857F-487D-BFFA-8C0CA5037977}" type="slidenum">
               <a:rPr lang="fr-BE" smtClean="0"/>
               <a:pPr/>
-              <a:t>‹#›</a:t>
+              <a:t>‹N°›</a:t>
             </a:fld>
             <a:endParaRPr lang="fr-BE"/>
           </a:p>
@@ -981,7 +985,7 @@
             <a:fld id="{AA309A6D-C09C-4548-B29A-6CF363A7E532}" type="datetimeFigureOut">
               <a:rPr lang="fr-FR" smtClean="0"/>
               <a:pPr/>
-              <a:t>23.02.14</a:t>
+              <a:t>24/02/2014</a:t>
             </a:fld>
             <a:endParaRPr lang="fr-BE"/>
           </a:p>
@@ -1024,7 +1028,7 @@
             <a:fld id="{CF4668DC-857F-487D-BFFA-8C0CA5037977}" type="slidenum">
               <a:rPr lang="fr-BE" smtClean="0"/>
               <a:pPr/>
-              <a:t>‹#›</a:t>
+              <a:t>‹N°›</a:t>
             </a:fld>
             <a:endParaRPr lang="fr-BE"/>
           </a:p>
@@ -1158,7 +1162,7 @@
             <a:fld id="{AA309A6D-C09C-4548-B29A-6CF363A7E532}" type="datetimeFigureOut">
               <a:rPr lang="fr-FR" smtClean="0"/>
               <a:pPr/>
-              <a:t>23.02.14</a:t>
+              <a:t>24/02/2014</a:t>
             </a:fld>
             <a:endParaRPr lang="fr-BE"/>
           </a:p>
@@ -1201,7 +1205,7 @@
             <a:fld id="{CF4668DC-857F-487D-BFFA-8C0CA5037977}" type="slidenum">
               <a:rPr lang="fr-BE" smtClean="0"/>
               <a:pPr/>
-              <a:t>‹#›</a:t>
+              <a:t>‹N°›</a:t>
             </a:fld>
             <a:endParaRPr lang="fr-BE"/>
           </a:p>
@@ -1325,7 +1329,7 @@
             <a:fld id="{AA309A6D-C09C-4548-B29A-6CF363A7E532}" type="datetimeFigureOut">
               <a:rPr lang="fr-FR" smtClean="0"/>
               <a:pPr/>
-              <a:t>23.02.14</a:t>
+              <a:t>24/02/2014</a:t>
             </a:fld>
             <a:endParaRPr lang="fr-BE"/>
           </a:p>
@@ -1368,7 +1372,7 @@
             <a:fld id="{CF4668DC-857F-487D-BFFA-8C0CA5037977}" type="slidenum">
               <a:rPr lang="fr-BE" smtClean="0"/>
               <a:pPr/>
-              <a:t>‹#›</a:t>
+              <a:t>‹N°›</a:t>
             </a:fld>
             <a:endParaRPr lang="fr-BE"/>
           </a:p>
@@ -1568,7 +1572,7 @@
             <a:fld id="{AA309A6D-C09C-4548-B29A-6CF363A7E532}" type="datetimeFigureOut">
               <a:rPr lang="fr-FR" smtClean="0"/>
               <a:pPr/>
-              <a:t>23.02.14</a:t>
+              <a:t>24/02/2014</a:t>
             </a:fld>
             <a:endParaRPr lang="fr-BE"/>
           </a:p>
@@ -1611,7 +1615,7 @@
             <a:fld id="{CF4668DC-857F-487D-BFFA-8C0CA5037977}" type="slidenum">
               <a:rPr lang="fr-BE" smtClean="0"/>
               <a:pPr/>
-              <a:t>‹#›</a:t>
+              <a:t>‹N°›</a:t>
             </a:fld>
             <a:endParaRPr lang="fr-BE"/>
           </a:p>
@@ -1853,7 +1857,7 @@
             <a:fld id="{AA309A6D-C09C-4548-B29A-6CF363A7E532}" type="datetimeFigureOut">
               <a:rPr lang="fr-FR" smtClean="0"/>
               <a:pPr/>
-              <a:t>23.02.14</a:t>
+              <a:t>24/02/2014</a:t>
             </a:fld>
             <a:endParaRPr lang="fr-BE"/>
           </a:p>
@@ -1896,7 +1900,7 @@
             <a:fld id="{CF4668DC-857F-487D-BFFA-8C0CA5037977}" type="slidenum">
               <a:rPr lang="fr-BE" smtClean="0"/>
               <a:pPr/>
-              <a:t>‹#›</a:t>
+              <a:t>‹N°›</a:t>
             </a:fld>
             <a:endParaRPr lang="fr-BE"/>
           </a:p>
@@ -2272,7 +2276,7 @@
             <a:fld id="{AA309A6D-C09C-4548-B29A-6CF363A7E532}" type="datetimeFigureOut">
               <a:rPr lang="fr-FR" smtClean="0"/>
               <a:pPr/>
-              <a:t>23.02.14</a:t>
+              <a:t>24/02/2014</a:t>
             </a:fld>
             <a:endParaRPr lang="fr-BE"/>
           </a:p>
@@ -2315,7 +2319,7 @@
             <a:fld id="{CF4668DC-857F-487D-BFFA-8C0CA5037977}" type="slidenum">
               <a:rPr lang="fr-BE" smtClean="0"/>
               <a:pPr/>
-              <a:t>‹#›</a:t>
+              <a:t>‹N°›</a:t>
             </a:fld>
             <a:endParaRPr lang="fr-BE"/>
           </a:p>
@@ -2387,7 +2391,7 @@
             <a:fld id="{AA309A6D-C09C-4548-B29A-6CF363A7E532}" type="datetimeFigureOut">
               <a:rPr lang="fr-FR" smtClean="0"/>
               <a:pPr/>
-              <a:t>23.02.14</a:t>
+              <a:t>24/02/2014</a:t>
             </a:fld>
             <a:endParaRPr lang="fr-BE"/>
           </a:p>
@@ -2430,7 +2434,7 @@
             <a:fld id="{CF4668DC-857F-487D-BFFA-8C0CA5037977}" type="slidenum">
               <a:rPr lang="fr-BE" smtClean="0"/>
               <a:pPr/>
-              <a:t>‹#›</a:t>
+              <a:t>‹N°›</a:t>
             </a:fld>
             <a:endParaRPr lang="fr-BE"/>
           </a:p>
@@ -2479,7 +2483,7 @@
             <a:fld id="{AA309A6D-C09C-4548-B29A-6CF363A7E532}" type="datetimeFigureOut">
               <a:rPr lang="fr-FR" smtClean="0"/>
               <a:pPr/>
-              <a:t>23.02.14</a:t>
+              <a:t>24/02/2014</a:t>
             </a:fld>
             <a:endParaRPr lang="fr-BE"/>
           </a:p>
@@ -2522,7 +2526,7 @@
             <a:fld id="{CF4668DC-857F-487D-BFFA-8C0CA5037977}" type="slidenum">
               <a:rPr lang="fr-BE" smtClean="0"/>
               <a:pPr/>
-              <a:t>‹#›</a:t>
+              <a:t>‹N°›</a:t>
             </a:fld>
             <a:endParaRPr lang="fr-BE"/>
           </a:p>
@@ -2753,7 +2757,7 @@
             <a:fld id="{AA309A6D-C09C-4548-B29A-6CF363A7E532}" type="datetimeFigureOut">
               <a:rPr lang="fr-FR" smtClean="0"/>
               <a:pPr/>
-              <a:t>23.02.14</a:t>
+              <a:t>24/02/2014</a:t>
             </a:fld>
             <a:endParaRPr lang="fr-BE"/>
           </a:p>
@@ -2796,7 +2800,7 @@
             <a:fld id="{CF4668DC-857F-487D-BFFA-8C0CA5037977}" type="slidenum">
               <a:rPr lang="fr-BE" smtClean="0"/>
               <a:pPr/>
-              <a:t>‹#›</a:t>
+              <a:t>‹N°›</a:t>
             </a:fld>
             <a:endParaRPr lang="fr-BE"/>
           </a:p>
@@ -3003,7 +3007,7 @@
             <a:fld id="{AA309A6D-C09C-4548-B29A-6CF363A7E532}" type="datetimeFigureOut">
               <a:rPr lang="fr-FR" smtClean="0"/>
               <a:pPr/>
-              <a:t>23.02.14</a:t>
+              <a:t>24/02/2014</a:t>
             </a:fld>
             <a:endParaRPr lang="fr-BE"/>
           </a:p>
@@ -3046,7 +3050,7 @@
             <a:fld id="{CF4668DC-857F-487D-BFFA-8C0CA5037977}" type="slidenum">
               <a:rPr lang="fr-BE" smtClean="0"/>
               <a:pPr/>
-              <a:t>‹#›</a:t>
+              <a:t>‹N°›</a:t>
             </a:fld>
             <a:endParaRPr lang="fr-BE"/>
           </a:p>
@@ -3213,7 +3217,7 @@
             <a:fld id="{AA309A6D-C09C-4548-B29A-6CF363A7E532}" type="datetimeFigureOut">
               <a:rPr lang="fr-FR" smtClean="0"/>
               <a:pPr/>
-              <a:t>23.02.14</a:t>
+              <a:t>24/02/2014</a:t>
             </a:fld>
             <a:endParaRPr lang="fr-BE"/>
           </a:p>
@@ -3292,7 +3296,7 @@
             <a:fld id="{CF4668DC-857F-487D-BFFA-8C0CA5037977}" type="slidenum">
               <a:rPr lang="fr-BE" smtClean="0"/>
               <a:pPr/>
-              <a:t>‹#›</a:t>
+              <a:t>‹N°›</a:t>
             </a:fld>
             <a:endParaRPr lang="fr-BE"/>
           </a:p>
@@ -3601,11 +3605,7 @@
           <a:p>
             <a:r>
               <a:rPr lang="fr-CH" dirty="0" smtClean="0"/>
-              <a:t>Diagramme de </a:t>
-            </a:r>
-            <a:r>
-              <a:rPr lang="fr-CH" dirty="0" smtClean="0"/>
-              <a:t>séquence UML</a:t>
+              <a:t>Diagramme de séquence UML</a:t>
             </a:r>
             <a:endParaRPr lang="fr-CH" dirty="0"/>
           </a:p>
@@ -3650,7 +3650,7 @@
   <p:timing>
     <p:tnLst>
       <p:par>
-        <p:cTn xmlns:p14="http://schemas.microsoft.com/office/powerpoint/2010/main" id="1" dur="indefinite" restart="never" nodeType="tmRoot"/>
+        <p:cTn id="1" dur="indefinite" restart="never" nodeType="tmRoot"/>
       </p:par>
     </p:tnLst>
   </p:timing>
@@ -3721,13 +3721,8 @@
           <a:p>
             <a:r>
               <a:rPr lang="fr-CH" dirty="0" smtClean="0"/>
-              <a:t>Peut </a:t>
-            </a:r>
-            <a:r>
-              <a:rPr lang="fr-CH" dirty="0" smtClean="0"/>
-              <a:t>être:</a:t>
-            </a:r>
-            <a:endParaRPr lang="fr-CH" dirty="0" smtClean="0"/>
+              <a:t>Peut être:</a:t>
+            </a:r>
           </a:p>
           <a:p>
             <a:pPr lvl="1"/>
@@ -3799,7 +3794,7 @@
   <p:timing>
     <p:tnLst>
       <p:par>
-        <p:cTn xmlns:p14="http://schemas.microsoft.com/office/powerpoint/2010/main" id="1" dur="indefinite" restart="never" nodeType="tmRoot"/>
+        <p:cTn id="1" dur="indefinite" restart="never" nodeType="tmRoot"/>
       </p:par>
     </p:tnLst>
   </p:timing>
@@ -3842,6 +3837,140 @@
           <a:p>
             <a:r>
               <a:rPr lang="fr-CH" dirty="0" smtClean="0"/>
+              <a:t>Temps</a:t>
+            </a:r>
+            <a:endParaRPr lang="fr-CH" dirty="0"/>
+          </a:p>
+        </p:txBody>
+      </p:sp>
+      <p:sp>
+        <p:nvSpPr>
+          <p:cNvPr id="3" name="Espace réservé du contenu 2"/>
+          <p:cNvSpPr>
+            <a:spLocks noGrp="1"/>
+          </p:cNvSpPr>
+          <p:nvPr>
+            <p:ph idx="1"/>
+          </p:nvPr>
+        </p:nvSpPr>
+        <p:spPr>
+          <a:xfrm>
+            <a:off x="467544" y="2492896"/>
+            <a:ext cx="4608512" cy="3816424"/>
+          </a:xfrm>
+        </p:spPr>
+        <p:txBody>
+          <a:bodyPr>
+            <a:normAutofit/>
+          </a:bodyPr>
+          <a:lstStyle/>
+          <a:p>
+            <a:r>
+              <a:rPr lang="fr-CH" dirty="0" smtClean="0"/>
+              <a:t>Du haut vers le bas</a:t>
+            </a:r>
+          </a:p>
+          <a:p>
+            <a:r>
+              <a:rPr lang="fr-CH" dirty="0" smtClean="0"/>
+              <a:t>Indique </a:t>
+            </a:r>
+            <a:r>
+              <a:rPr lang="fr-CH" i="1" dirty="0" smtClean="0"/>
+              <a:t>l’ordre</a:t>
+            </a:r>
+            <a:r>
+              <a:rPr lang="fr-CH" dirty="0" smtClean="0"/>
+              <a:t> plutôt </a:t>
+            </a:r>
+            <a:r>
+              <a:rPr lang="fr-CH" dirty="0" smtClean="0"/>
+              <a:t>qu’une durée mesurable</a:t>
+            </a:r>
+            <a:endParaRPr lang="fr-CH" dirty="0" smtClean="0"/>
+          </a:p>
+        </p:txBody>
+      </p:sp>
+      <p:pic>
+        <p:nvPicPr>
+          <p:cNvPr id="4" name="Picture 3"/>
+          <p:cNvPicPr>
+            <a:picLocks noChangeAspect="1"/>
+          </p:cNvPicPr>
+          <p:nvPr/>
+        </p:nvPicPr>
+        <p:blipFill>
+          <a:blip r:embed="rId3"/>
+          <a:stretch>
+            <a:fillRect/>
+          </a:stretch>
+        </p:blipFill>
+        <p:spPr>
+          <a:xfrm>
+            <a:off x="5364088" y="2132856"/>
+            <a:ext cx="2448272" cy="3127355"/>
+          </a:xfrm>
+          <a:prstGeom prst="rect">
+            <a:avLst/>
+          </a:prstGeom>
+        </p:spPr>
+      </p:pic>
+    </p:spTree>
+    <p:extLst>
+      <p:ext uri="{BB962C8B-B14F-4D97-AF65-F5344CB8AC3E}">
+        <p14:creationId xmlns:p14="http://schemas.microsoft.com/office/powerpoint/2010/main" xmlns="" val="2097743742"/>
+      </p:ext>
+    </p:extLst>
+  </p:cSld>
+  <p:clrMapOvr>
+    <a:masterClrMapping/>
+  </p:clrMapOvr>
+  <p:timing>
+    <p:tnLst>
+      <p:par>
+        <p:cTn id="1" dur="indefinite" restart="never" nodeType="tmRoot"/>
+      </p:par>
+    </p:tnLst>
+  </p:timing>
+</p:sld>
+</file>
+
+<file path=ppt/slides/slide4.xml><?xml version="1.0" encoding="utf-8"?>
+<p:sld xmlns:a="http://schemas.openxmlformats.org/drawingml/2006/main" xmlns:r="http://schemas.openxmlformats.org/officeDocument/2006/relationships" xmlns:p="http://schemas.openxmlformats.org/presentationml/2006/main">
+  <p:cSld>
+    <p:spTree>
+      <p:nvGrpSpPr>
+        <p:cNvPr id="1" name=""/>
+        <p:cNvGrpSpPr/>
+        <p:nvPr/>
+      </p:nvGrpSpPr>
+      <p:grpSpPr>
+        <a:xfrm>
+          <a:off x="0" y="0"/>
+          <a:ext cx="0" cy="0"/>
+          <a:chOff x="0" y="0"/>
+          <a:chExt cx="0" cy="0"/>
+        </a:xfrm>
+      </p:grpSpPr>
+      <p:sp>
+        <p:nvSpPr>
+          <p:cNvPr id="2" name="Titre 1"/>
+          <p:cNvSpPr>
+            <a:spLocks noGrp="1"/>
+          </p:cNvSpPr>
+          <p:nvPr>
+            <p:ph type="title"/>
+          </p:nvPr>
+        </p:nvSpPr>
+        <p:spPr/>
+        <p:txBody>
+          <a:bodyPr>
+            <a:normAutofit/>
+          </a:bodyPr>
+          <a:lstStyle/>
+          <a:p>
+            <a:r>
+              <a:rPr lang="fr-CH" dirty="0" smtClean="0"/>
               <a:t>Ligne de vie</a:t>
             </a:r>
             <a:endParaRPr lang="fr-CH" dirty="0"/>
@@ -3872,15 +4001,23 @@
           <a:p>
             <a:r>
               <a:rPr lang="fr-CH" dirty="0" smtClean="0"/>
-              <a:t>Indique la durée pendant laquelle le participant existe dans le système</a:t>
-            </a:r>
+              <a:t>Le participant </a:t>
+            </a:r>
+            <a:r>
+              <a:rPr lang="fr-CH" dirty="0" smtClean="0"/>
+              <a:t>existe dans le </a:t>
+            </a:r>
+            <a:r>
+              <a:rPr lang="fr-CH" dirty="0" smtClean="0"/>
+              <a:t>système pendant la période couverte par la ligne de vie</a:t>
+            </a:r>
+            <a:endParaRPr lang="fr-CH" dirty="0" smtClean="0"/>
           </a:p>
           <a:p>
             <a:r>
               <a:rPr lang="fr-CH" dirty="0" smtClean="0"/>
               <a:t>Intéressant s’il y a création/suppression</a:t>
             </a:r>
-            <a:endParaRPr lang="fr-CH" dirty="0" smtClean="0"/>
           </a:p>
         </p:txBody>
       </p:sp>
@@ -3916,141 +4053,7 @@
   <p:timing>
     <p:tnLst>
       <p:par>
-        <p:cTn xmlns:p14="http://schemas.microsoft.com/office/powerpoint/2010/main" id="1" dur="indefinite" restart="never" nodeType="tmRoot"/>
-      </p:par>
-    </p:tnLst>
-  </p:timing>
-</p:sld>
-</file>
-
-<file path=ppt/slides/slide4.xml><?xml version="1.0" encoding="utf-8"?>
-<p:sld xmlns:a="http://schemas.openxmlformats.org/drawingml/2006/main" xmlns:r="http://schemas.openxmlformats.org/officeDocument/2006/relationships" xmlns:p="http://schemas.openxmlformats.org/presentationml/2006/main">
-  <p:cSld>
-    <p:spTree>
-      <p:nvGrpSpPr>
-        <p:cNvPr id="1" name=""/>
-        <p:cNvGrpSpPr/>
-        <p:nvPr/>
-      </p:nvGrpSpPr>
-      <p:grpSpPr>
-        <a:xfrm>
-          <a:off x="0" y="0"/>
-          <a:ext cx="0" cy="0"/>
-          <a:chOff x="0" y="0"/>
-          <a:chExt cx="0" cy="0"/>
-        </a:xfrm>
-      </p:grpSpPr>
-      <p:sp>
-        <p:nvSpPr>
-          <p:cNvPr id="2" name="Titre 1"/>
-          <p:cNvSpPr>
-            <a:spLocks noGrp="1"/>
-          </p:cNvSpPr>
-          <p:nvPr>
-            <p:ph type="title"/>
-          </p:nvPr>
-        </p:nvSpPr>
-        <p:spPr/>
-        <p:txBody>
-          <a:bodyPr>
-            <a:normAutofit/>
-          </a:bodyPr>
-          <a:lstStyle/>
-          <a:p>
-            <a:r>
-              <a:rPr lang="fr-CH" dirty="0" smtClean="0"/>
-              <a:t>Temps</a:t>
-            </a:r>
-            <a:endParaRPr lang="fr-CH" dirty="0"/>
-          </a:p>
-        </p:txBody>
-      </p:sp>
-      <p:sp>
-        <p:nvSpPr>
-          <p:cNvPr id="3" name="Espace réservé du contenu 2"/>
-          <p:cNvSpPr>
-            <a:spLocks noGrp="1"/>
-          </p:cNvSpPr>
-          <p:nvPr>
-            <p:ph idx="1"/>
-          </p:nvPr>
-        </p:nvSpPr>
-        <p:spPr>
-          <a:xfrm>
-            <a:off x="467544" y="2492896"/>
-            <a:ext cx="4608512" cy="3816424"/>
-          </a:xfrm>
-        </p:spPr>
-        <p:txBody>
-          <a:bodyPr>
-            <a:normAutofit/>
-          </a:bodyPr>
-          <a:lstStyle/>
-          <a:p>
-            <a:r>
-              <a:rPr lang="fr-CH" dirty="0" smtClean="0"/>
-              <a:t>Du haut vers le bas</a:t>
-            </a:r>
-          </a:p>
-          <a:p>
-            <a:r>
-              <a:rPr lang="fr-CH" dirty="0" smtClean="0"/>
-              <a:t>Indique </a:t>
-            </a:r>
-            <a:r>
-              <a:rPr lang="fr-CH" i="1" dirty="0" smtClean="0"/>
-              <a:t>l’ordre</a:t>
-            </a:r>
-            <a:r>
-              <a:rPr lang="fr-CH" dirty="0" smtClean="0"/>
-              <a:t> plut</a:t>
-            </a:r>
-            <a:r>
-              <a:rPr lang="fr-CH" dirty="0" smtClean="0"/>
-              <a:t>ôt qu’une durée</a:t>
-            </a:r>
-            <a:endParaRPr lang="fr-CH" dirty="0" smtClean="0"/>
-          </a:p>
-        </p:txBody>
-      </p:sp>
-      <p:pic>
-        <p:nvPicPr>
-          <p:cNvPr id="4" name="Picture 3"/>
-          <p:cNvPicPr>
-            <a:picLocks noChangeAspect="1"/>
-          </p:cNvPicPr>
-          <p:nvPr/>
-        </p:nvPicPr>
-        <p:blipFill>
-          <a:blip r:embed="rId3"/>
-          <a:stretch>
-            <a:fillRect/>
-          </a:stretch>
-        </p:blipFill>
-        <p:spPr>
-          <a:xfrm>
-            <a:off x="5364088" y="2132856"/>
-            <a:ext cx="2448272" cy="3127355"/>
-          </a:xfrm>
-          <a:prstGeom prst="rect">
-            <a:avLst/>
-          </a:prstGeom>
-        </p:spPr>
-      </p:pic>
-    </p:spTree>
-    <p:extLst>
-      <p:ext uri="{BB962C8B-B14F-4D97-AF65-F5344CB8AC3E}">
-        <p14:creationId xmlns:p14="http://schemas.microsoft.com/office/powerpoint/2010/main" val="2097743742"/>
-      </p:ext>
-    </p:extLst>
-  </p:cSld>
-  <p:clrMapOvr>
-    <a:masterClrMapping/>
-  </p:clrMapOvr>
-  <p:timing>
-    <p:tnLst>
-      <p:par>
-        <p:cTn xmlns:p14="http://schemas.microsoft.com/office/powerpoint/2010/main" id="1" dur="indefinite" restart="never" nodeType="tmRoot"/>
+        <p:cTn id="1" dur="indefinite" restart="never" nodeType="tmRoot"/>
       </p:par>
     </p:tnLst>
   </p:timing>
@@ -4300,7 +4303,6 @@
               <a:rPr lang="fr-CH" dirty="0" smtClean="0"/>
               <a:t>La flèche en tirets indique la fin de l’appel</a:t>
             </a:r>
-            <a:endParaRPr lang="fr-CH" dirty="0" smtClean="0"/>
           </a:p>
         </p:txBody>
       </p:sp>
@@ -4331,7 +4333,7 @@
     </p:spTree>
     <p:extLst>
       <p:ext uri="{BB962C8B-B14F-4D97-AF65-F5344CB8AC3E}">
-        <p14:creationId xmlns:p14="http://schemas.microsoft.com/office/powerpoint/2010/main" val="4095658630"/>
+        <p14:creationId xmlns:p14="http://schemas.microsoft.com/office/powerpoint/2010/main" xmlns="" val="4095658630"/>
       </p:ext>
     </p:extLst>
   </p:cSld>
@@ -4580,7 +4582,7 @@
     </p:spTree>
     <p:extLst>
       <p:ext uri="{BB962C8B-B14F-4D97-AF65-F5344CB8AC3E}">
-        <p14:creationId xmlns:p14="http://schemas.microsoft.com/office/powerpoint/2010/main" val="2409711896"/>
+        <p14:creationId xmlns:p14="http://schemas.microsoft.com/office/powerpoint/2010/main" xmlns="" val="2409711896"/>
       </p:ext>
     </p:extLst>
   </p:cSld>
@@ -4681,7 +4683,7 @@
     </p:spTree>
     <p:extLst>
       <p:ext uri="{BB962C8B-B14F-4D97-AF65-F5344CB8AC3E}">
-        <p14:creationId xmlns:p14="http://schemas.microsoft.com/office/powerpoint/2010/main" val="505058659"/>
+        <p14:creationId xmlns:p14="http://schemas.microsoft.com/office/powerpoint/2010/main" xmlns="" val="505058659"/>
       </p:ext>
     </p:extLst>
   </p:cSld>
@@ -4954,7 +4956,7 @@
     </p:spTree>
     <p:extLst>
       <p:ext uri="{BB962C8B-B14F-4D97-AF65-F5344CB8AC3E}">
-        <p14:creationId xmlns:p14="http://schemas.microsoft.com/office/powerpoint/2010/main" val="1054879989"/>
+        <p14:creationId xmlns:p14="http://schemas.microsoft.com/office/powerpoint/2010/main" xmlns="" val="1054879989"/>
       </p:ext>
     </p:extLst>
   </p:cSld>
@@ -5023,7 +5025,63 @@
           <a:p>
             <a:r>
               <a:rPr lang="fr-FR" dirty="0" smtClean="0"/>
-              <a:t>Reprendre l’exemple « </a:t>
+              <a:t>Installer </a:t>
+            </a:r>
+            <a:r>
+              <a:rPr lang="fr-FR" dirty="0" err="1" smtClean="0"/>
+              <a:t>VisualParadigm</a:t>
+            </a:r>
+            <a:endParaRPr lang="fr-FR" dirty="0" smtClean="0"/>
+          </a:p>
+          <a:p>
+            <a:pPr lvl="1">
+              <a:buNone/>
+            </a:pPr>
+            <a:r>
+              <a:rPr lang="fr-FR" dirty="0" smtClean="0"/>
+              <a:t>Copier le dossier le suivant sur votre disque C:</a:t>
+            </a:r>
+            <a:endParaRPr lang="pt-BR" dirty="0" smtClean="0"/>
+          </a:p>
+          <a:p>
+            <a:pPr>
+              <a:buNone/>
+            </a:pPr>
+            <a:r>
+              <a:rPr lang="pt-BR" b="1" dirty="0" smtClean="0"/>
+              <a:t>G</a:t>
+            </a:r>
+            <a:r>
+              <a:rPr lang="pt-BR" b="1" dirty="0" smtClean="0"/>
+              <a:t>:\ESIG </a:t>
+            </a:r>
+            <a:r>
+              <a:rPr lang="pt-BR" b="1" dirty="0" smtClean="0"/>
+              <a:t>Distribution\20132014\ESIG2\GL\soft\</a:t>
+            </a:r>
+          </a:p>
+          <a:p>
+            <a:pPr lvl="1">
+              <a:buNone/>
+            </a:pPr>
+            <a:r>
+              <a:rPr lang="pt-BR" b="1" dirty="0" smtClean="0"/>
+              <a:t>Visual </a:t>
+            </a:r>
+            <a:r>
+              <a:rPr lang="pt-BR" b="1" dirty="0" smtClean="0"/>
+              <a:t>Paradigm for UML CE 11.0 </a:t>
+            </a:r>
+            <a:endParaRPr lang="fr-FR" b="1" i="1" dirty="0" smtClean="0"/>
+          </a:p>
+          <a:p>
+            <a:r>
+              <a:rPr lang="fr-FR" dirty="0" smtClean="0"/>
+              <a:t>Reprendre </a:t>
+            </a:r>
+            <a:r>
+              <a:rPr lang="fr-FR" dirty="0" smtClean="0"/>
+              <a:t>l’exemple « </a:t>
             </a:r>
             <a:r>
               <a:rPr lang="fr-FR" dirty="0" err="1" smtClean="0"/>
@@ -5031,13 +5089,46 @@
             </a:r>
             <a:r>
               <a:rPr lang="fr-FR" dirty="0" smtClean="0"/>
-              <a:t> System »</a:t>
-            </a:r>
-          </a:p>
-          <a:p>
+              <a:t> System </a:t>
+            </a:r>
             <a:r>
               <a:rPr lang="fr-FR" dirty="0" smtClean="0"/>
-              <a:t>Dessiner les diagrammes de classe et de séquence pour la version 3 en </a:t>
+              <a:t>» (</a:t>
+            </a:r>
+            <a:r>
+              <a:rPr lang="fr-FR" b="1" dirty="0" err="1" smtClean="0"/>
+              <a:t>DiagrammesOO</a:t>
+            </a:r>
+            <a:r>
+              <a:rPr lang="fr-FR" b="1" dirty="0" smtClean="0"/>
+              <a:t>\Exemple </a:t>
+            </a:r>
+            <a:r>
+              <a:rPr lang="fr-FR" b="1" dirty="0" err="1" smtClean="0"/>
+              <a:t>Banking</a:t>
+            </a:r>
+            <a:r>
+              <a:rPr lang="fr-FR" b="1" dirty="0" smtClean="0"/>
+              <a:t> </a:t>
+            </a:r>
+            <a:r>
+              <a:rPr lang="fr-FR" b="1" dirty="0" smtClean="0"/>
+              <a:t>System</a:t>
+            </a:r>
+            <a:r>
+              <a:rPr lang="fr-FR" dirty="0" smtClean="0"/>
+              <a:t>)</a:t>
+            </a:r>
+            <a:endParaRPr lang="fr-FR" dirty="0" smtClean="0"/>
+          </a:p>
+          <a:p>
+            <a:r>
+              <a:rPr lang="fr-FR" dirty="0" smtClean="0"/>
+              <a:t>Etablir les </a:t>
+            </a:r>
+            <a:r>
+              <a:rPr lang="fr-FR" dirty="0" smtClean="0"/>
+              <a:t>diagrammes de classe et de séquence pour la version 3 en </a:t>
             </a:r>
             <a:r>
               <a:rPr lang="fr-FR" dirty="0" err="1" smtClean="0"/>
@@ -5050,7 +5141,7 @@
     </p:spTree>
     <p:extLst>
       <p:ext uri="{BB962C8B-B14F-4D97-AF65-F5344CB8AC3E}">
-        <p14:creationId xmlns:p14="http://schemas.microsoft.com/office/powerpoint/2010/main" val="880760444"/>
+        <p14:creationId xmlns:p14="http://schemas.microsoft.com/office/powerpoint/2010/main" xmlns="" val="880760444"/>
       </p:ext>
     </p:extLst>
   </p:cSld>

--- a/Diagramme de séquence/L1- Concepts de base/L1 - Concepts de base.pptx
+++ b/Diagramme de séquence/L1- Concepts de base/L1 - Concepts de base.pptx
@@ -5,7 +5,7 @@
     <p:sldMasterId id="2147483648" r:id="rId1"/>
   </p:sldMasterIdLst>
   <p:notesMasterIdLst>
-    <p:notesMasterId r:id="rId11"/>
+    <p:notesMasterId r:id="rId12"/>
   </p:notesMasterIdLst>
   <p:sldIdLst>
     <p:sldId id="256" r:id="rId2"/>
@@ -17,6 +17,7 @@
     <p:sldId id="272" r:id="rId8"/>
     <p:sldId id="273" r:id="rId9"/>
     <p:sldId id="269" r:id="rId10"/>
+    <p:sldId id="274" r:id="rId11"/>
   </p:sldIdLst>
   <p:sldSz cx="9144000" cy="6858000" type="screen4x3"/>
   <p:notesSz cx="6858000" cy="9144000"/>
@@ -372,7 +373,7 @@
     </p:spTree>
     <p:extLst>
       <p:ext uri="{BB962C8B-B14F-4D97-AF65-F5344CB8AC3E}">
-        <p14:creationId xmlns:p14="http://schemas.microsoft.com/office/powerpoint/2010/main" xmlns="" val="291982883"/>
+        <p14:creationId xmlns="" xmlns:p14="http://schemas.microsoft.com/office/powerpoint/2010/main" val="291982883"/>
       </p:ext>
     </p:extLst>
   </p:cSld>
@@ -3657,6 +3658,107 @@
 </p:sld>
 </file>
 
+<file path=ppt/slides/slide10.xml><?xml version="1.0" encoding="utf-8"?>
+<p:sld xmlns:a="http://schemas.openxmlformats.org/drawingml/2006/main" xmlns:r="http://schemas.openxmlformats.org/officeDocument/2006/relationships" xmlns:p="http://schemas.openxmlformats.org/presentationml/2006/main">
+  <p:cSld>
+    <p:spTree>
+      <p:nvGrpSpPr>
+        <p:cNvPr id="1" name=""/>
+        <p:cNvGrpSpPr/>
+        <p:nvPr/>
+      </p:nvGrpSpPr>
+      <p:grpSpPr>
+        <a:xfrm>
+          <a:off x="0" y="0"/>
+          <a:ext cx="0" cy="0"/>
+          <a:chOff x="0" y="0"/>
+          <a:chExt cx="0" cy="0"/>
+        </a:xfrm>
+      </p:grpSpPr>
+      <p:sp>
+        <p:nvSpPr>
+          <p:cNvPr id="2" name="Title 1"/>
+          <p:cNvSpPr>
+            <a:spLocks noGrp="1"/>
+          </p:cNvSpPr>
+          <p:nvPr>
+            <p:ph type="title"/>
+          </p:nvPr>
+        </p:nvSpPr>
+        <p:spPr/>
+        <p:txBody>
+          <a:bodyPr>
+            <a:normAutofit/>
+          </a:bodyPr>
+          <a:lstStyle/>
+          <a:p>
+            <a:r>
+              <a:rPr lang="fr-FR" dirty="0" smtClean="0"/>
+              <a:t>Exercice </a:t>
+            </a:r>
+            <a:r>
+              <a:rPr lang="fr-FR" dirty="0" smtClean="0"/>
+              <a:t>2</a:t>
+            </a:r>
+            <a:endParaRPr lang="fr-FR" dirty="0"/>
+          </a:p>
+        </p:txBody>
+      </p:sp>
+      <p:sp>
+        <p:nvSpPr>
+          <p:cNvPr id="3" name="Content Placeholder 2"/>
+          <p:cNvSpPr>
+            <a:spLocks noGrp="1"/>
+          </p:cNvSpPr>
+          <p:nvPr>
+            <p:ph idx="1"/>
+          </p:nvPr>
+        </p:nvSpPr>
+        <p:spPr/>
+        <p:txBody>
+          <a:bodyPr/>
+          <a:lstStyle/>
+          <a:p>
+            <a:r>
+              <a:rPr lang="fr-FR" dirty="0" smtClean="0"/>
+              <a:t>Rajouter un test pour la disponibilité des fonds nécessaires à l’opération transfert</a:t>
+            </a:r>
+          </a:p>
+          <a:p>
+            <a:r>
+              <a:rPr lang="fr-FR" dirty="0" smtClean="0"/>
+              <a:t>Modifier les diagrammes touchées par cet ajout</a:t>
+            </a:r>
+          </a:p>
+          <a:p>
+            <a:r>
+              <a:rPr lang="fr-FR" dirty="0" smtClean="0"/>
+              <a:t>Adapter le code Java</a:t>
+            </a:r>
+            <a:endParaRPr lang="fr-FR" dirty="0" smtClean="0"/>
+          </a:p>
+        </p:txBody>
+      </p:sp>
+    </p:spTree>
+    <p:extLst>
+      <p:ext uri="{BB962C8B-B14F-4D97-AF65-F5344CB8AC3E}">
+        <p14:creationId xmlns="" xmlns:p14="http://schemas.microsoft.com/office/powerpoint/2010/main" val="880760444"/>
+      </p:ext>
+    </p:extLst>
+  </p:cSld>
+  <p:clrMapOvr>
+    <a:masterClrMapping/>
+  </p:clrMapOvr>
+  <p:timing>
+    <p:tnLst>
+      <p:par>
+        <p:cTn id="1" dur="indefinite" restart="never" nodeType="tmRoot"/>
+      </p:par>
+    </p:tnLst>
+  </p:timing>
+</p:sld>
+</file>
+
 <file path=ppt/slides/slide2.xml><?xml version="1.0" encoding="utf-8"?>
 <p:sld xmlns:a="http://schemas.openxmlformats.org/drawingml/2006/main" xmlns:r="http://schemas.openxmlformats.org/officeDocument/2006/relationships" xmlns:p="http://schemas.openxmlformats.org/presentationml/2006/main">
   <p:cSld>
@@ -3881,13 +3983,8 @@
             </a:r>
             <a:r>
               <a:rPr lang="fr-CH" dirty="0" smtClean="0"/>
-              <a:t> plutôt </a:t>
-            </a:r>
-            <a:r>
-              <a:rPr lang="fr-CH" dirty="0" smtClean="0"/>
-              <a:t>qu’une durée mesurable</a:t>
-            </a:r>
-            <a:endParaRPr lang="fr-CH" dirty="0" smtClean="0"/>
+              <a:t> plutôt qu’une durée mesurable</a:t>
+            </a:r>
           </a:p>
         </p:txBody>
       </p:sp>
@@ -3918,7 +4015,7 @@
     </p:spTree>
     <p:extLst>
       <p:ext uri="{BB962C8B-B14F-4D97-AF65-F5344CB8AC3E}">
-        <p14:creationId xmlns:p14="http://schemas.microsoft.com/office/powerpoint/2010/main" xmlns="" val="2097743742"/>
+        <p14:creationId xmlns="" xmlns:p14="http://schemas.microsoft.com/office/powerpoint/2010/main" val="2097743742"/>
       </p:ext>
     </p:extLst>
   </p:cSld>
@@ -4001,17 +4098,8 @@
           <a:p>
             <a:r>
               <a:rPr lang="fr-CH" dirty="0" smtClean="0"/>
-              <a:t>Le participant </a:t>
-            </a:r>
-            <a:r>
-              <a:rPr lang="fr-CH" dirty="0" smtClean="0"/>
-              <a:t>existe dans le </a:t>
-            </a:r>
-            <a:r>
-              <a:rPr lang="fr-CH" dirty="0" smtClean="0"/>
-              <a:t>système pendant la période couverte par la ligne de vie</a:t>
-            </a:r>
-            <a:endParaRPr lang="fr-CH" dirty="0" smtClean="0"/>
+              <a:t>Le participant existe dans le système pendant la période couverte par la ligne de vie</a:t>
+            </a:r>
           </a:p>
           <a:p>
             <a:r>
@@ -4333,13 +4421,20 @@
     </p:spTree>
     <p:extLst>
       <p:ext uri="{BB962C8B-B14F-4D97-AF65-F5344CB8AC3E}">
-        <p14:creationId xmlns:p14="http://schemas.microsoft.com/office/powerpoint/2010/main" xmlns="" val="4095658630"/>
+        <p14:creationId xmlns="" xmlns:p14="http://schemas.microsoft.com/office/powerpoint/2010/main" val="4095658630"/>
       </p:ext>
     </p:extLst>
   </p:cSld>
   <p:clrMapOvr>
     <a:masterClrMapping/>
   </p:clrMapOvr>
+  <p:timing>
+    <p:tnLst>
+      <p:par>
+        <p:cTn id="1" dur="indefinite" restart="never" nodeType="tmRoot"/>
+      </p:par>
+    </p:tnLst>
+  </p:timing>
 </p:sld>
 </file>
 
@@ -4582,13 +4677,20 @@
     </p:spTree>
     <p:extLst>
       <p:ext uri="{BB962C8B-B14F-4D97-AF65-F5344CB8AC3E}">
-        <p14:creationId xmlns:p14="http://schemas.microsoft.com/office/powerpoint/2010/main" xmlns="" val="2409711896"/>
+        <p14:creationId xmlns="" xmlns:p14="http://schemas.microsoft.com/office/powerpoint/2010/main" val="2409711896"/>
       </p:ext>
     </p:extLst>
   </p:cSld>
   <p:clrMapOvr>
     <a:masterClrMapping/>
   </p:clrMapOvr>
+  <p:timing>
+    <p:tnLst>
+      <p:par>
+        <p:cTn id="1" dur="indefinite" restart="never" nodeType="tmRoot"/>
+      </p:par>
+    </p:tnLst>
+  </p:timing>
 </p:sld>
 </file>
 
@@ -4683,13 +4785,20 @@
     </p:spTree>
     <p:extLst>
       <p:ext uri="{BB962C8B-B14F-4D97-AF65-F5344CB8AC3E}">
-        <p14:creationId xmlns:p14="http://schemas.microsoft.com/office/powerpoint/2010/main" xmlns="" val="505058659"/>
+        <p14:creationId xmlns="" xmlns:p14="http://schemas.microsoft.com/office/powerpoint/2010/main" val="505058659"/>
       </p:ext>
     </p:extLst>
   </p:cSld>
   <p:clrMapOvr>
     <a:masterClrMapping/>
   </p:clrMapOvr>
+  <p:timing>
+    <p:tnLst>
+      <p:par>
+        <p:cTn id="1" dur="indefinite" restart="never" nodeType="tmRoot"/>
+      </p:par>
+    </p:tnLst>
+  </p:timing>
 </p:sld>
 </file>
 
@@ -4956,13 +5065,20 @@
     </p:spTree>
     <p:extLst>
       <p:ext uri="{BB962C8B-B14F-4D97-AF65-F5344CB8AC3E}">
-        <p14:creationId xmlns:p14="http://schemas.microsoft.com/office/powerpoint/2010/main" xmlns="" val="1054879989"/>
+        <p14:creationId xmlns="" xmlns:p14="http://schemas.microsoft.com/office/powerpoint/2010/main" val="1054879989"/>
       </p:ext>
     </p:extLst>
   </p:cSld>
   <p:clrMapOvr>
     <a:masterClrMapping/>
   </p:clrMapOvr>
+  <p:timing>
+    <p:tnLst>
+      <p:par>
+        <p:cTn id="1" dur="indefinite" restart="never" nodeType="tmRoot"/>
+      </p:par>
+    </p:tnLst>
+  </p:timing>
 </p:sld>
 </file>
 
@@ -5020,7 +5136,9 @@
         </p:nvSpPr>
         <p:spPr/>
         <p:txBody>
-          <a:bodyPr/>
+          <a:bodyPr>
+            <a:normAutofit fontScale="92500" lnSpcReduction="20000"/>
+          </a:bodyPr>
           <a:lstStyle/>
           <a:p>
             <a:r>
@@ -5034,9 +5152,7 @@
             <a:endParaRPr lang="fr-FR" dirty="0" smtClean="0"/>
           </a:p>
           <a:p>
-            <a:pPr lvl="1">
-              <a:buNone/>
-            </a:pPr>
+            <a:pPr lvl="1"/>
             <a:r>
               <a:rPr lang="fr-FR" dirty="0" smtClean="0"/>
               <a:t>Copier le dossier le suivant sur votre disque C:</a:t>
@@ -5049,39 +5165,38 @@
             </a:pPr>
             <a:r>
               <a:rPr lang="pt-BR" b="1" dirty="0" smtClean="0"/>
-              <a:t>G</a:t>
-            </a:r>
+              <a:t>G:\ESIG Distribution\20132014\ESIG2\GL\soft\</a:t>
+            </a:r>
+          </a:p>
+          <a:p>
+            <a:pPr lvl="1">
+              <a:buNone/>
+            </a:pPr>
             <a:r>
               <a:rPr lang="pt-BR" b="1" dirty="0" smtClean="0"/>
-              <a:t>:\ESIG </a:t>
-            </a:r>
-            <a:r>
-              <a:rPr lang="pt-BR" b="1" dirty="0" smtClean="0"/>
-              <a:t>Distribution\20132014\ESIG2\GL\soft\</a:t>
-            </a:r>
-          </a:p>
-          <a:p>
-            <a:pPr lvl="1">
-              <a:buNone/>
-            </a:pPr>
-            <a:r>
-              <a:rPr lang="pt-BR" b="1" dirty="0" smtClean="0"/>
-              <a:t>Visual </a:t>
-            </a:r>
-            <a:r>
-              <a:rPr lang="pt-BR" b="1" dirty="0" smtClean="0"/>
-              <a:t>Paradigm for UML CE 11.0 </a:t>
-            </a:r>
-            <a:endParaRPr lang="fr-FR" b="1" i="1" dirty="0" smtClean="0"/>
+              <a:t>Visual Paradigm for UML CE 11.0 </a:t>
+            </a:r>
+            <a:endParaRPr lang="pt-BR" b="1" dirty="0" smtClean="0"/>
+          </a:p>
+          <a:p>
+            <a:pPr lvl="1"/>
+            <a:r>
+              <a:rPr lang="pt-BR" dirty="0" smtClean="0"/>
+              <a:t>Lancer le fichier .exe dans le dossier “bin”</a:t>
+            </a:r>
+          </a:p>
+          <a:p>
+            <a:pPr lvl="1"/>
+            <a:r>
+              <a:rPr lang="pt-BR" dirty="0" smtClean="0"/>
+              <a:t>Saisir les informations d’enregistrement qui sont dans le fichier README.txt</a:t>
+            </a:r>
+            <a:endParaRPr lang="fr-FR" dirty="0" smtClean="0"/>
           </a:p>
           <a:p>
             <a:r>
               <a:rPr lang="fr-FR" dirty="0" smtClean="0"/>
-              <a:t>Reprendre </a:t>
-            </a:r>
-            <a:r>
-              <a:rPr lang="fr-FR" dirty="0" smtClean="0"/>
-              <a:t>l’exemple « </a:t>
+              <a:t>Reprendre l’exemple « </a:t>
             </a:r>
             <a:r>
               <a:rPr lang="fr-FR" dirty="0" err="1" smtClean="0"/>
@@ -5089,11 +5204,7 @@
             </a:r>
             <a:r>
               <a:rPr lang="fr-FR" dirty="0" smtClean="0"/>
-              <a:t> System </a:t>
-            </a:r>
-            <a:r>
-              <a:rPr lang="fr-FR" dirty="0" smtClean="0"/>
-              <a:t>» (</a:t>
+              <a:t> System » (</a:t>
             </a:r>
             <a:r>
               <a:rPr lang="fr-FR" b="1" dirty="0" err="1" smtClean="0"/>
@@ -5109,26 +5220,17 @@
             </a:r>
             <a:r>
               <a:rPr lang="fr-FR" b="1" dirty="0" smtClean="0"/>
-              <a:t> </a:t>
-            </a:r>
-            <a:r>
-              <a:rPr lang="fr-FR" b="1" dirty="0" smtClean="0"/>
-              <a:t>System</a:t>
+              <a:t> System</a:t>
             </a:r>
             <a:r>
               <a:rPr lang="fr-FR" dirty="0" smtClean="0"/>
               <a:t>)</a:t>
             </a:r>
-            <a:endParaRPr lang="fr-FR" dirty="0" smtClean="0"/>
           </a:p>
           <a:p>
             <a:r>
               <a:rPr lang="fr-FR" dirty="0" smtClean="0"/>
-              <a:t>Etablir les </a:t>
-            </a:r>
-            <a:r>
-              <a:rPr lang="fr-FR" dirty="0" smtClean="0"/>
-              <a:t>diagrammes de classe et de séquence pour la version 3 en </a:t>
+              <a:t>Etablir les diagrammes de classe et de séquence pour la version 2 en </a:t>
             </a:r>
             <a:r>
               <a:rPr lang="fr-FR" dirty="0" err="1" smtClean="0"/>
@@ -5141,13 +5243,20 @@
     </p:spTree>
     <p:extLst>
       <p:ext uri="{BB962C8B-B14F-4D97-AF65-F5344CB8AC3E}">
-        <p14:creationId xmlns:p14="http://schemas.microsoft.com/office/powerpoint/2010/main" xmlns="" val="880760444"/>
+        <p14:creationId xmlns="" xmlns:p14="http://schemas.microsoft.com/office/powerpoint/2010/main" val="880760444"/>
       </p:ext>
     </p:extLst>
   </p:cSld>
   <p:clrMapOvr>
     <a:masterClrMapping/>
   </p:clrMapOvr>
+  <p:timing>
+    <p:tnLst>
+      <p:par>
+        <p:cTn id="1" dur="indefinite" restart="never" nodeType="tmRoot"/>
+      </p:par>
+    </p:tnLst>
+  </p:timing>
 </p:sld>
 </file>
 

--- a/Diagramme de séquence/L1- Concepts de base/L1 - Concepts de base.pptx
+++ b/Diagramme de séquence/L1- Concepts de base/L1 - Concepts de base.pptx
@@ -5,7 +5,7 @@
     <p:sldMasterId id="2147483648" r:id="rId1"/>
   </p:sldMasterIdLst>
   <p:notesMasterIdLst>
-    <p:notesMasterId r:id="rId12"/>
+    <p:notesMasterId r:id="rId13"/>
   </p:notesMasterIdLst>
   <p:sldIdLst>
     <p:sldId id="256" r:id="rId2"/>
@@ -17,7 +17,8 @@
     <p:sldId id="272" r:id="rId8"/>
     <p:sldId id="273" r:id="rId9"/>
     <p:sldId id="269" r:id="rId10"/>
-    <p:sldId id="274" r:id="rId11"/>
+    <p:sldId id="275" r:id="rId11"/>
+    <p:sldId id="274" r:id="rId12"/>
   </p:sldIdLst>
   <p:sldSz cx="9144000" cy="6858000" type="screen4x3"/>
   <p:notesSz cx="6858000" cy="9144000"/>
@@ -3699,6 +3700,103 @@
             <a:r>
               <a:rPr lang="fr-FR" dirty="0" smtClean="0"/>
               <a:t>2</a:t>
+            </a:r>
+            <a:endParaRPr lang="fr-FR" dirty="0"/>
+          </a:p>
+        </p:txBody>
+      </p:sp>
+      <p:sp>
+        <p:nvSpPr>
+          <p:cNvPr id="3" name="Content Placeholder 2"/>
+          <p:cNvSpPr>
+            <a:spLocks noGrp="1"/>
+          </p:cNvSpPr>
+          <p:nvPr>
+            <p:ph idx="1"/>
+          </p:nvPr>
+        </p:nvSpPr>
+        <p:spPr/>
+        <p:txBody>
+          <a:bodyPr/>
+          <a:lstStyle/>
+          <a:p>
+            <a:r>
+              <a:rPr lang="fr-FR" dirty="0" smtClean="0"/>
+              <a:t>Adaptez les diagrammes à la version 3 (avec les fragments « </a:t>
+            </a:r>
+            <a:r>
+              <a:rPr lang="fr-FR" dirty="0" err="1" smtClean="0"/>
+              <a:t>loop</a:t>
+            </a:r>
+            <a:r>
+              <a:rPr lang="fr-FR" dirty="0" smtClean="0"/>
+              <a:t> »)</a:t>
+            </a:r>
+            <a:endParaRPr lang="fr-FR" dirty="0" smtClean="0"/>
+          </a:p>
+        </p:txBody>
+      </p:sp>
+    </p:spTree>
+    <p:extLst>
+      <p:ext uri="{BB962C8B-B14F-4D97-AF65-F5344CB8AC3E}">
+        <p14:creationId xmlns="" xmlns:p14="http://schemas.microsoft.com/office/powerpoint/2010/main" val="880760444"/>
+      </p:ext>
+    </p:extLst>
+  </p:cSld>
+  <p:clrMapOvr>
+    <a:masterClrMapping/>
+  </p:clrMapOvr>
+  <p:timing>
+    <p:tnLst>
+      <p:par>
+        <p:cTn id="1" dur="indefinite" restart="never" nodeType="tmRoot"/>
+      </p:par>
+    </p:tnLst>
+  </p:timing>
+</p:sld>
+</file>
+
+<file path=ppt/slides/slide11.xml><?xml version="1.0" encoding="utf-8"?>
+<p:sld xmlns:a="http://schemas.openxmlformats.org/drawingml/2006/main" xmlns:r="http://schemas.openxmlformats.org/officeDocument/2006/relationships" xmlns:p="http://schemas.openxmlformats.org/presentationml/2006/main">
+  <p:cSld>
+    <p:spTree>
+      <p:nvGrpSpPr>
+        <p:cNvPr id="1" name=""/>
+        <p:cNvGrpSpPr/>
+        <p:nvPr/>
+      </p:nvGrpSpPr>
+      <p:grpSpPr>
+        <a:xfrm>
+          <a:off x="0" y="0"/>
+          <a:ext cx="0" cy="0"/>
+          <a:chOff x="0" y="0"/>
+          <a:chExt cx="0" cy="0"/>
+        </a:xfrm>
+      </p:grpSpPr>
+      <p:sp>
+        <p:nvSpPr>
+          <p:cNvPr id="2" name="Title 1"/>
+          <p:cNvSpPr>
+            <a:spLocks noGrp="1"/>
+          </p:cNvSpPr>
+          <p:nvPr>
+            <p:ph type="title"/>
+          </p:nvPr>
+        </p:nvSpPr>
+        <p:spPr/>
+        <p:txBody>
+          <a:bodyPr>
+            <a:normAutofit/>
+          </a:bodyPr>
+          <a:lstStyle/>
+          <a:p>
+            <a:r>
+              <a:rPr lang="fr-FR" dirty="0" smtClean="0"/>
+              <a:t>Exercice </a:t>
+            </a:r>
+            <a:r>
+              <a:rPr lang="fr-FR" dirty="0" smtClean="0"/>
+              <a:t>3</a:t>
             </a:r>
             <a:endParaRPr lang="fr-FR" dirty="0"/>
           </a:p>
